--- a/画面.pptx
+++ b/画面.pptx
@@ -6,6 +6,11 @@
   </p:sldMasterIdLst>
   <p:sldIdLst>
     <p:sldId id="256" r:id="rId2"/>
+    <p:sldId id="257" r:id="rId3"/>
+    <p:sldId id="262" r:id="rId4"/>
+    <p:sldId id="259" r:id="rId5"/>
+    <p:sldId id="260" r:id="rId6"/>
+    <p:sldId id="261" r:id="rId7"/>
   </p:sldIdLst>
   <p:sldSz cx="12192000" cy="6858000"/>
   <p:notesSz cx="6858000" cy="9144000"/>
@@ -104,6 +109,11 @@
       </a:defRPr>
     </a:lvl9pPr>
   </p:defaultTextStyle>
+  <p:extLst>
+    <p:ext uri="{EFAFB233-063F-42B5-8137-9DF3F51BA10A}">
+      <p15:sldGuideLst xmlns:p15="http://schemas.microsoft.com/office/powerpoint/2012/main"/>
+    </p:ext>
+  </p:extLst>
 </p:presentation>
 </file>
 
@@ -254,7 +264,7 @@
           <a:p>
             <a:fld id="{D6E077AD-D1FC-41C8-810F-0C2E35FF68A5}" type="datetimeFigureOut">
               <a:rPr kumimoji="1" lang="ja-JP" altLang="en-US" smtClean="0"/>
-              <a:t>2024/9/6</a:t>
+              <a:t>2024/9/16</a:t>
             </a:fld>
             <a:endParaRPr kumimoji="1" lang="ja-JP" altLang="en-US"/>
           </a:p>
@@ -484,7 +494,7 @@
           <a:p>
             <a:fld id="{D6E077AD-D1FC-41C8-810F-0C2E35FF68A5}" type="datetimeFigureOut">
               <a:rPr kumimoji="1" lang="ja-JP" altLang="en-US" smtClean="0"/>
-              <a:t>2024/9/6</a:t>
+              <a:t>2024/9/16</a:t>
             </a:fld>
             <a:endParaRPr kumimoji="1" lang="ja-JP" altLang="en-US"/>
           </a:p>
@@ -724,7 +734,7 @@
           <a:p>
             <a:fld id="{D6E077AD-D1FC-41C8-810F-0C2E35FF68A5}" type="datetimeFigureOut">
               <a:rPr kumimoji="1" lang="ja-JP" altLang="en-US" smtClean="0"/>
-              <a:t>2024/9/6</a:t>
+              <a:t>2024/9/16</a:t>
             </a:fld>
             <a:endParaRPr kumimoji="1" lang="ja-JP" altLang="en-US"/>
           </a:p>
@@ -954,7 +964,7 @@
           <a:p>
             <a:fld id="{D6E077AD-D1FC-41C8-810F-0C2E35FF68A5}" type="datetimeFigureOut">
               <a:rPr kumimoji="1" lang="ja-JP" altLang="en-US" smtClean="0"/>
-              <a:t>2024/9/6</a:t>
+              <a:t>2024/9/16</a:t>
             </a:fld>
             <a:endParaRPr kumimoji="1" lang="ja-JP" altLang="en-US"/>
           </a:p>
@@ -1229,7 +1239,7 @@
           <a:p>
             <a:fld id="{D6E077AD-D1FC-41C8-810F-0C2E35FF68A5}" type="datetimeFigureOut">
               <a:rPr kumimoji="1" lang="ja-JP" altLang="en-US" smtClean="0"/>
-              <a:t>2024/9/6</a:t>
+              <a:t>2024/9/16</a:t>
             </a:fld>
             <a:endParaRPr kumimoji="1" lang="ja-JP" altLang="en-US"/>
           </a:p>
@@ -1558,7 +1568,7 @@
           <a:p>
             <a:fld id="{D6E077AD-D1FC-41C8-810F-0C2E35FF68A5}" type="datetimeFigureOut">
               <a:rPr kumimoji="1" lang="ja-JP" altLang="en-US" smtClean="0"/>
-              <a:t>2024/9/6</a:t>
+              <a:t>2024/9/16</a:t>
             </a:fld>
             <a:endParaRPr kumimoji="1" lang="ja-JP" altLang="en-US"/>
           </a:p>
@@ -2034,7 +2044,7 @@
           <a:p>
             <a:fld id="{D6E077AD-D1FC-41C8-810F-0C2E35FF68A5}" type="datetimeFigureOut">
               <a:rPr kumimoji="1" lang="ja-JP" altLang="en-US" smtClean="0"/>
-              <a:t>2024/9/6</a:t>
+              <a:t>2024/9/16</a:t>
             </a:fld>
             <a:endParaRPr kumimoji="1" lang="ja-JP" altLang="en-US"/>
           </a:p>
@@ -2175,7 +2185,7 @@
           <a:p>
             <a:fld id="{D6E077AD-D1FC-41C8-810F-0C2E35FF68A5}" type="datetimeFigureOut">
               <a:rPr kumimoji="1" lang="ja-JP" altLang="en-US" smtClean="0"/>
-              <a:t>2024/9/6</a:t>
+              <a:t>2024/9/16</a:t>
             </a:fld>
             <a:endParaRPr kumimoji="1" lang="ja-JP" altLang="en-US"/>
           </a:p>
@@ -2288,7 +2298,7 @@
           <a:p>
             <a:fld id="{D6E077AD-D1FC-41C8-810F-0C2E35FF68A5}" type="datetimeFigureOut">
               <a:rPr kumimoji="1" lang="ja-JP" altLang="en-US" smtClean="0"/>
-              <a:t>2024/9/6</a:t>
+              <a:t>2024/9/16</a:t>
             </a:fld>
             <a:endParaRPr kumimoji="1" lang="ja-JP" altLang="en-US"/>
           </a:p>
@@ -2631,7 +2641,7 @@
           <a:p>
             <a:fld id="{D6E077AD-D1FC-41C8-810F-0C2E35FF68A5}" type="datetimeFigureOut">
               <a:rPr kumimoji="1" lang="ja-JP" altLang="en-US" smtClean="0"/>
-              <a:t>2024/9/6</a:t>
+              <a:t>2024/9/16</a:t>
             </a:fld>
             <a:endParaRPr kumimoji="1" lang="ja-JP" altLang="en-US"/>
           </a:p>
@@ -2919,7 +2929,7 @@
           <a:p>
             <a:fld id="{D6E077AD-D1FC-41C8-810F-0C2E35FF68A5}" type="datetimeFigureOut">
               <a:rPr kumimoji="1" lang="ja-JP" altLang="en-US" smtClean="0"/>
-              <a:t>2024/9/6</a:t>
+              <a:t>2024/9/16</a:t>
             </a:fld>
             <a:endParaRPr kumimoji="1" lang="ja-JP" altLang="en-US"/>
           </a:p>
@@ -3192,7 +3202,7 @@
           <a:p>
             <a:fld id="{D6E077AD-D1FC-41C8-810F-0C2E35FF68A5}" type="datetimeFigureOut">
               <a:rPr kumimoji="1" lang="ja-JP" altLang="en-US" smtClean="0"/>
-              <a:t>2024/9/6</a:t>
+              <a:t>2024/9/16</a:t>
             </a:fld>
             <a:endParaRPr kumimoji="1" lang="ja-JP" altLang="en-US"/>
           </a:p>
@@ -3624,7 +3634,7 @@
         <p:spPr>
           <a:xfrm>
             <a:off x="1686230" y="1366684"/>
-            <a:ext cx="5112775" cy="5122606"/>
+            <a:ext cx="9306235" cy="5122606"/>
           </a:xfrm>
           <a:prstGeom prst="rect">
             <a:avLst/>
@@ -3658,10 +3668,158 @@
       </p:sp>
       <p:sp>
         <p:nvSpPr>
-          <p:cNvPr id="5" name="正方形/長方形 4">
-            <a:extLst>
-              <a:ext uri="{FF2B5EF4-FFF2-40B4-BE49-F238E27FC236}">
-                <a16:creationId xmlns:a16="http://schemas.microsoft.com/office/drawing/2014/main" id="{07231857-BDFA-EEA8-2AAB-4AE1FC1F4296}"/>
+          <p:cNvPr id="7" name="テキスト ボックス 6">
+            <a:extLst>
+              <a:ext uri="{FF2B5EF4-FFF2-40B4-BE49-F238E27FC236}">
+                <a16:creationId xmlns:a16="http://schemas.microsoft.com/office/drawing/2014/main" id="{E520EC71-999A-A018-77C2-9D47F259A882}"/>
+              </a:ext>
+            </a:extLst>
+          </p:cNvPr>
+          <p:cNvSpPr txBox="1"/>
+          <p:nvPr/>
+        </p:nvSpPr>
+        <p:spPr>
+          <a:xfrm>
+            <a:off x="4473676" y="2402724"/>
+            <a:ext cx="4149214" cy="769441"/>
+          </a:xfrm>
+          <a:prstGeom prst="rect">
+            <a:avLst/>
+          </a:prstGeom>
+          <a:noFill/>
+        </p:spPr>
+        <p:txBody>
+          <a:bodyPr wrap="square" rtlCol="0">
+            <a:spAutoFit/>
+          </a:bodyPr>
+          <a:lstStyle/>
+          <a:p>
+            <a:r>
+              <a:rPr lang="ja-JP" altLang="en-US" sz="4400" dirty="0"/>
+              <a:t>会員</a:t>
+            </a:r>
+            <a:r>
+              <a:rPr kumimoji="1" lang="ja-JP" altLang="en-US" sz="4400" dirty="0"/>
+              <a:t>登録ボタン</a:t>
+            </a:r>
+          </a:p>
+        </p:txBody>
+      </p:sp>
+      <p:sp>
+        <p:nvSpPr>
+          <p:cNvPr id="9" name="テキスト ボックス 8">
+            <a:extLst>
+              <a:ext uri="{FF2B5EF4-FFF2-40B4-BE49-F238E27FC236}">
+                <a16:creationId xmlns:a16="http://schemas.microsoft.com/office/drawing/2014/main" id="{92A6C6A4-1CE0-4A62-DAEE-F30FE309490E}"/>
+              </a:ext>
+            </a:extLst>
+          </p:cNvPr>
+          <p:cNvSpPr txBox="1"/>
+          <p:nvPr/>
+        </p:nvSpPr>
+        <p:spPr>
+          <a:xfrm>
+            <a:off x="4306526" y="300446"/>
+            <a:ext cx="3687100" cy="769441"/>
+          </a:xfrm>
+          <a:prstGeom prst="rect">
+            <a:avLst/>
+          </a:prstGeom>
+          <a:noFill/>
+        </p:spPr>
+        <p:txBody>
+          <a:bodyPr wrap="square" rtlCol="0">
+            <a:spAutoFit/>
+          </a:bodyPr>
+          <a:lstStyle/>
+          <a:p>
+            <a:r>
+              <a:rPr kumimoji="1" lang="ja-JP" altLang="en-US" sz="4400" dirty="0"/>
+              <a:t>スタート画面</a:t>
+            </a:r>
+          </a:p>
+        </p:txBody>
+      </p:sp>
+      <p:sp>
+        <p:nvSpPr>
+          <p:cNvPr id="10" name="テキスト ボックス 9">
+            <a:extLst>
+              <a:ext uri="{FF2B5EF4-FFF2-40B4-BE49-F238E27FC236}">
+                <a16:creationId xmlns:a16="http://schemas.microsoft.com/office/drawing/2014/main" id="{BA7297D7-1C81-64BF-CB8D-66EB3BB55CF5}"/>
+              </a:ext>
+            </a:extLst>
+          </p:cNvPr>
+          <p:cNvSpPr txBox="1"/>
+          <p:nvPr/>
+        </p:nvSpPr>
+        <p:spPr>
+          <a:xfrm>
+            <a:off x="997972" y="384023"/>
+            <a:ext cx="2895603" cy="707886"/>
+          </a:xfrm>
+          <a:prstGeom prst="rect">
+            <a:avLst/>
+          </a:prstGeom>
+          <a:noFill/>
+        </p:spPr>
+        <p:txBody>
+          <a:bodyPr wrap="square" rtlCol="0">
+            <a:spAutoFit/>
+          </a:bodyPr>
+          <a:lstStyle/>
+          <a:p>
+            <a:r>
+              <a:rPr kumimoji="1" lang="en-US" altLang="ja-JP" sz="2000" dirty="0"/>
+              <a:t>※</a:t>
+            </a:r>
+            <a:r>
+              <a:rPr kumimoji="1" lang="ja-JP" altLang="en-US" sz="2000" dirty="0"/>
+              <a:t>できるだけレスポンシブデザインで</a:t>
+            </a:r>
+          </a:p>
+        </p:txBody>
+      </p:sp>
+      <p:sp>
+        <p:nvSpPr>
+          <p:cNvPr id="2" name="テキスト ボックス 1">
+            <a:extLst>
+              <a:ext uri="{FF2B5EF4-FFF2-40B4-BE49-F238E27FC236}">
+                <a16:creationId xmlns:a16="http://schemas.microsoft.com/office/drawing/2014/main" id="{2B7359EA-B5F0-8541-2B7C-CF7BD449BA27}"/>
+              </a:ext>
+            </a:extLst>
+          </p:cNvPr>
+          <p:cNvSpPr txBox="1"/>
+          <p:nvPr/>
+        </p:nvSpPr>
+        <p:spPr>
+          <a:xfrm>
+            <a:off x="4458931" y="4236445"/>
+            <a:ext cx="4149214" cy="769441"/>
+          </a:xfrm>
+          <a:prstGeom prst="rect">
+            <a:avLst/>
+          </a:prstGeom>
+          <a:noFill/>
+        </p:spPr>
+        <p:txBody>
+          <a:bodyPr wrap="square" rtlCol="0">
+            <a:spAutoFit/>
+          </a:bodyPr>
+          <a:lstStyle/>
+          <a:p>
+            <a:r>
+              <a:rPr kumimoji="1" lang="ja-JP" altLang="en-US" sz="4400" dirty="0"/>
+              <a:t>ログインボタン</a:t>
+            </a:r>
+          </a:p>
+        </p:txBody>
+      </p:sp>
+      <p:sp>
+        <p:nvSpPr>
+          <p:cNvPr id="3" name="四角形: 角を丸くする 2">
+            <a:extLst>
+              <a:ext uri="{FF2B5EF4-FFF2-40B4-BE49-F238E27FC236}">
+                <a16:creationId xmlns:a16="http://schemas.microsoft.com/office/drawing/2014/main" id="{CB62ECEB-2592-1B7F-4123-A6C7A9516B7B}"/>
               </a:ext>
             </a:extLst>
           </p:cNvPr>
@@ -3670,10 +3828,10 @@
         </p:nvSpPr>
         <p:spPr>
           <a:xfrm>
-            <a:off x="7428269" y="1455174"/>
-            <a:ext cx="2762863" cy="5122606"/>
-          </a:xfrm>
-          <a:prstGeom prst="rect">
+            <a:off x="4458931" y="2330245"/>
+            <a:ext cx="4149214" cy="769441"/>
+          </a:xfrm>
+          <a:prstGeom prst="roundRect">
             <a:avLst/>
           </a:prstGeom>
           <a:noFill/>
@@ -3699,51 +3857,140 @@
           <a:lstStyle/>
           <a:p>
             <a:pPr algn="ctr"/>
-            <a:endParaRPr kumimoji="1" lang="ja-JP" altLang="en-US" dirty="0"/>
-          </a:p>
-        </p:txBody>
-      </p:sp>
-      <p:sp>
-        <p:nvSpPr>
-          <p:cNvPr id="7" name="テキスト ボックス 6">
-            <a:extLst>
-              <a:ext uri="{FF2B5EF4-FFF2-40B4-BE49-F238E27FC236}">
-                <a16:creationId xmlns:a16="http://schemas.microsoft.com/office/drawing/2014/main" id="{E520EC71-999A-A018-77C2-9D47F259A882}"/>
-              </a:ext>
-            </a:extLst>
-          </p:cNvPr>
-          <p:cNvSpPr txBox="1"/>
+            <a:endParaRPr kumimoji="1" lang="ja-JP" altLang="en-US"/>
+          </a:p>
+        </p:txBody>
+      </p:sp>
+      <p:sp>
+        <p:nvSpPr>
+          <p:cNvPr id="6" name="四角形: 角を丸くする 5">
+            <a:extLst>
+              <a:ext uri="{FF2B5EF4-FFF2-40B4-BE49-F238E27FC236}">
+                <a16:creationId xmlns:a16="http://schemas.microsoft.com/office/drawing/2014/main" id="{C5CA8765-9233-93CC-1200-9ED4EBA676C8}"/>
+              </a:ext>
+            </a:extLst>
+          </p:cNvPr>
+          <p:cNvSpPr/>
           <p:nvPr/>
         </p:nvSpPr>
         <p:spPr>
           <a:xfrm>
-            <a:off x="2989004" y="2383059"/>
-            <a:ext cx="3244647" cy="1446550"/>
+            <a:off x="4454014" y="4203293"/>
+            <a:ext cx="4149214" cy="769441"/>
+          </a:xfrm>
+          <a:prstGeom prst="roundRect">
+            <a:avLst/>
+          </a:prstGeom>
+          <a:noFill/>
+        </p:spPr>
+        <p:style>
+          <a:lnRef idx="2">
+            <a:schemeClr val="accent1">
+              <a:shade val="15000"/>
+            </a:schemeClr>
+          </a:lnRef>
+          <a:fillRef idx="1">
+            <a:schemeClr val="accent1"/>
+          </a:fillRef>
+          <a:effectRef idx="0">
+            <a:schemeClr val="accent1"/>
+          </a:effectRef>
+          <a:fontRef idx="minor">
+            <a:schemeClr val="lt1"/>
+          </a:fontRef>
+        </p:style>
+        <p:txBody>
+          <a:bodyPr rtlCol="0" anchor="ctr"/>
+          <a:lstStyle/>
+          <a:p>
+            <a:pPr algn="ctr"/>
+            <a:endParaRPr kumimoji="1" lang="ja-JP" altLang="en-US"/>
+          </a:p>
+        </p:txBody>
+      </p:sp>
+    </p:spTree>
+    <p:extLst>
+      <p:ext uri="{BB962C8B-B14F-4D97-AF65-F5344CB8AC3E}">
+        <p14:creationId xmlns:p14="http://schemas.microsoft.com/office/powerpoint/2010/main" val="1966765378"/>
+      </p:ext>
+    </p:extLst>
+  </p:cSld>
+  <p:clrMapOvr>
+    <a:masterClrMapping/>
+  </p:clrMapOvr>
+</p:sld>
+</file>
+
+<file path=ppt/slides/slide2.xml><?xml version="1.0" encoding="utf-8"?>
+<p:sld xmlns:a="http://schemas.openxmlformats.org/drawingml/2006/main" xmlns:r="http://schemas.openxmlformats.org/officeDocument/2006/relationships" xmlns:p="http://schemas.openxmlformats.org/presentationml/2006/main">
+  <p:cSld>
+    <p:spTree>
+      <p:nvGrpSpPr>
+        <p:cNvPr id="1" name=""/>
+        <p:cNvGrpSpPr/>
+        <p:nvPr/>
+      </p:nvGrpSpPr>
+      <p:grpSpPr>
+        <a:xfrm>
+          <a:off x="0" y="0"/>
+          <a:ext cx="0" cy="0"/>
+          <a:chOff x="0" y="0"/>
+          <a:chExt cx="0" cy="0"/>
+        </a:xfrm>
+      </p:grpSpPr>
+      <p:sp>
+        <p:nvSpPr>
+          <p:cNvPr id="4" name="正方形/長方形 3">
+            <a:extLst>
+              <a:ext uri="{FF2B5EF4-FFF2-40B4-BE49-F238E27FC236}">
+                <a16:creationId xmlns:a16="http://schemas.microsoft.com/office/drawing/2014/main" id="{EA26D33B-9946-9EE2-FB73-6CBA6DE5A2E8}"/>
+              </a:ext>
+            </a:extLst>
+          </p:cNvPr>
+          <p:cNvSpPr/>
+          <p:nvPr/>
+        </p:nvSpPr>
+        <p:spPr>
+          <a:xfrm>
+            <a:off x="1686230" y="1366684"/>
+            <a:ext cx="9306235" cy="5122606"/>
           </a:xfrm>
           <a:prstGeom prst="rect">
             <a:avLst/>
           </a:prstGeom>
           <a:noFill/>
         </p:spPr>
-        <p:txBody>
-          <a:bodyPr wrap="square" rtlCol="0">
-            <a:spAutoFit/>
-          </a:bodyPr>
-          <a:lstStyle/>
-          <a:p>
-            <a:r>
-              <a:rPr kumimoji="1" lang="ja-JP" altLang="en-US" sz="4400" dirty="0"/>
-              <a:t>カレンダー画面</a:t>
-            </a:r>
-          </a:p>
-        </p:txBody>
-      </p:sp>
-      <p:sp>
-        <p:nvSpPr>
-          <p:cNvPr id="8" name="テキスト ボックス 7">
-            <a:extLst>
-              <a:ext uri="{FF2B5EF4-FFF2-40B4-BE49-F238E27FC236}">
-                <a16:creationId xmlns:a16="http://schemas.microsoft.com/office/drawing/2014/main" id="{C1CB0D3C-CEEF-CA71-E453-55CEE45D155A}"/>
+        <p:style>
+          <a:lnRef idx="2">
+            <a:schemeClr val="accent1">
+              <a:shade val="15000"/>
+            </a:schemeClr>
+          </a:lnRef>
+          <a:fillRef idx="1">
+            <a:schemeClr val="accent1"/>
+          </a:fillRef>
+          <a:effectRef idx="0">
+            <a:schemeClr val="accent1"/>
+          </a:effectRef>
+          <a:fontRef idx="minor">
+            <a:schemeClr val="lt1"/>
+          </a:fontRef>
+        </p:style>
+        <p:txBody>
+          <a:bodyPr rtlCol="0" anchor="ctr"/>
+          <a:lstStyle/>
+          <a:p>
+            <a:pPr algn="ctr"/>
+            <a:endParaRPr kumimoji="1" lang="ja-JP" altLang="en-US" dirty="0"/>
+          </a:p>
+        </p:txBody>
+      </p:sp>
+      <p:sp>
+        <p:nvSpPr>
+          <p:cNvPr id="7" name="テキスト ボックス 6">
+            <a:extLst>
+              <a:ext uri="{FF2B5EF4-FFF2-40B4-BE49-F238E27FC236}">
+                <a16:creationId xmlns:a16="http://schemas.microsoft.com/office/drawing/2014/main" id="{E520EC71-999A-A018-77C2-9D47F259A882}"/>
               </a:ext>
             </a:extLst>
           </p:cNvPr>
@@ -3752,8 +3999,8 @@
         </p:nvSpPr>
         <p:spPr>
           <a:xfrm>
-            <a:off x="7364360" y="2383059"/>
-            <a:ext cx="3244647" cy="1446550"/>
+            <a:off x="3264306" y="2068426"/>
+            <a:ext cx="5879694" cy="769441"/>
           </a:xfrm>
           <a:prstGeom prst="rect">
             <a:avLst/>
@@ -3767,9 +4014,14 @@
           <a:lstStyle/>
           <a:p>
             <a:r>
-              <a:rPr kumimoji="1" lang="ja-JP" altLang="en-US" sz="4400" dirty="0"/>
-              <a:t>ポインター画面</a:t>
-            </a:r>
+              <a:rPr lang="ja-JP" altLang="en-US" sz="4400" dirty="0"/>
+              <a:t>ユーザー</a:t>
+            </a:r>
+            <a:r>
+              <a:rPr lang="ja-JP" altLang="en-US" sz="4400"/>
+              <a:t>の名前入力窓</a:t>
+            </a:r>
+            <a:endParaRPr kumimoji="1" lang="ja-JP" altLang="en-US" sz="4400" dirty="0"/>
           </a:p>
         </p:txBody>
       </p:sp>
@@ -3787,8 +4039,8 @@
         </p:nvSpPr>
         <p:spPr>
           <a:xfrm>
-            <a:off x="4611327" y="221790"/>
-            <a:ext cx="2895603" cy="769441"/>
+            <a:off x="4306526" y="300446"/>
+            <a:ext cx="3687100" cy="769441"/>
           </a:xfrm>
           <a:prstGeom prst="rect">
             <a:avLst/>
@@ -3802,12 +4054,8 @@
           <a:lstStyle/>
           <a:p>
             <a:r>
-              <a:rPr kumimoji="1" lang="en-US" altLang="ja-JP" sz="4400" dirty="0"/>
-              <a:t>PC</a:t>
-            </a:r>
-            <a:r>
               <a:rPr kumimoji="1" lang="ja-JP" altLang="en-US" sz="4400" dirty="0"/>
-              <a:t>用画面</a:t>
+              <a:t>会員登録画面</a:t>
             </a:r>
           </a:p>
         </p:txBody>
@@ -3851,10 +4099,1499 @@
           </a:p>
         </p:txBody>
       </p:sp>
+      <p:sp>
+        <p:nvSpPr>
+          <p:cNvPr id="2" name="テキスト ボックス 1">
+            <a:extLst>
+              <a:ext uri="{FF2B5EF4-FFF2-40B4-BE49-F238E27FC236}">
+                <a16:creationId xmlns:a16="http://schemas.microsoft.com/office/drawing/2014/main" id="{2B7359EA-B5F0-8541-2B7C-CF7BD449BA27}"/>
+              </a:ext>
+            </a:extLst>
+          </p:cNvPr>
+          <p:cNvSpPr txBox="1"/>
+          <p:nvPr/>
+        </p:nvSpPr>
+        <p:spPr>
+          <a:xfrm>
+            <a:off x="3249560" y="4029963"/>
+            <a:ext cx="7044813" cy="769441"/>
+          </a:xfrm>
+          <a:prstGeom prst="rect">
+            <a:avLst/>
+          </a:prstGeom>
+          <a:noFill/>
+        </p:spPr>
+        <p:txBody>
+          <a:bodyPr wrap="square" rtlCol="0">
+            <a:spAutoFit/>
+          </a:bodyPr>
+          <a:lstStyle/>
+          <a:p>
+            <a:r>
+              <a:rPr lang="ja-JP" altLang="en-US" sz="4400"/>
+              <a:t>ユーザーパスワード入力窓</a:t>
+            </a:r>
+            <a:endParaRPr kumimoji="1" lang="ja-JP" altLang="en-US" sz="4400" dirty="0"/>
+          </a:p>
+        </p:txBody>
+      </p:sp>
+      <p:sp>
+        <p:nvSpPr>
+          <p:cNvPr id="3" name="テキスト ボックス 2">
+            <a:extLst>
+              <a:ext uri="{FF2B5EF4-FFF2-40B4-BE49-F238E27FC236}">
+                <a16:creationId xmlns:a16="http://schemas.microsoft.com/office/drawing/2014/main" id="{BA44DF7A-2767-ED7A-6E9C-F66063CF9AAF}"/>
+              </a:ext>
+            </a:extLst>
+          </p:cNvPr>
+          <p:cNvSpPr txBox="1"/>
+          <p:nvPr/>
+        </p:nvSpPr>
+        <p:spPr>
+          <a:xfrm>
+            <a:off x="3283971" y="4998440"/>
+            <a:ext cx="5348752" cy="769441"/>
+          </a:xfrm>
+          <a:prstGeom prst="rect">
+            <a:avLst/>
+          </a:prstGeom>
+          <a:noFill/>
+        </p:spPr>
+        <p:txBody>
+          <a:bodyPr wrap="square" rtlCol="0">
+            <a:spAutoFit/>
+          </a:bodyPr>
+          <a:lstStyle/>
+          <a:p>
+            <a:r>
+              <a:rPr lang="ja-JP" altLang="en-US" sz="4400"/>
+              <a:t>会員</a:t>
+            </a:r>
+            <a:r>
+              <a:rPr kumimoji="1" lang="ja-JP" altLang="en-US" sz="4400"/>
+              <a:t>情報入力ボタン</a:t>
+            </a:r>
+            <a:endParaRPr kumimoji="1" lang="ja-JP" altLang="en-US" sz="4400" dirty="0"/>
+          </a:p>
+        </p:txBody>
+      </p:sp>
+      <p:sp>
+        <p:nvSpPr>
+          <p:cNvPr id="5" name="テキスト ボックス 4">
+            <a:extLst>
+              <a:ext uri="{FF2B5EF4-FFF2-40B4-BE49-F238E27FC236}">
+                <a16:creationId xmlns:a16="http://schemas.microsoft.com/office/drawing/2014/main" id="{5945BF55-15BE-9116-3E1F-0F4AF1E6FA4A}"/>
+              </a:ext>
+            </a:extLst>
+          </p:cNvPr>
+          <p:cNvSpPr txBox="1"/>
+          <p:nvPr/>
+        </p:nvSpPr>
+        <p:spPr>
+          <a:xfrm>
+            <a:off x="3264305" y="3061486"/>
+            <a:ext cx="5161939" cy="769441"/>
+          </a:xfrm>
+          <a:prstGeom prst="rect">
+            <a:avLst/>
+          </a:prstGeom>
+          <a:noFill/>
+        </p:spPr>
+        <p:txBody>
+          <a:bodyPr wrap="square" rtlCol="0">
+            <a:spAutoFit/>
+          </a:bodyPr>
+          <a:lstStyle/>
+          <a:p>
+            <a:r>
+              <a:rPr lang="ja-JP" altLang="en-US" sz="4400"/>
+              <a:t>ユーザー</a:t>
+            </a:r>
+            <a:r>
+              <a:rPr lang="en-US" altLang="ja-JP" sz="4400"/>
+              <a:t>ID</a:t>
+            </a:r>
+            <a:r>
+              <a:rPr lang="ja-JP" altLang="en-US" sz="4400"/>
+              <a:t>入力窓</a:t>
+            </a:r>
+            <a:endParaRPr kumimoji="1" lang="ja-JP" altLang="en-US" sz="4400" dirty="0"/>
+          </a:p>
+        </p:txBody>
+      </p:sp>
+      <p:sp>
+        <p:nvSpPr>
+          <p:cNvPr id="6" name="四角形: 角を丸くする 5">
+            <a:extLst>
+              <a:ext uri="{FF2B5EF4-FFF2-40B4-BE49-F238E27FC236}">
+                <a16:creationId xmlns:a16="http://schemas.microsoft.com/office/drawing/2014/main" id="{0AF1F1F7-EA69-D9AC-45A7-106B5C3F57CC}"/>
+              </a:ext>
+            </a:extLst>
+          </p:cNvPr>
+          <p:cNvSpPr/>
+          <p:nvPr/>
+        </p:nvSpPr>
+        <p:spPr>
+          <a:xfrm>
+            <a:off x="3249560" y="2061054"/>
+            <a:ext cx="5894440" cy="769441"/>
+          </a:xfrm>
+          <a:prstGeom prst="roundRect">
+            <a:avLst/>
+          </a:prstGeom>
+          <a:noFill/>
+        </p:spPr>
+        <p:style>
+          <a:lnRef idx="2">
+            <a:schemeClr val="accent1">
+              <a:shade val="15000"/>
+            </a:schemeClr>
+          </a:lnRef>
+          <a:fillRef idx="1">
+            <a:schemeClr val="accent1"/>
+          </a:fillRef>
+          <a:effectRef idx="0">
+            <a:schemeClr val="accent1"/>
+          </a:effectRef>
+          <a:fontRef idx="minor">
+            <a:schemeClr val="lt1"/>
+          </a:fontRef>
+        </p:style>
+        <p:txBody>
+          <a:bodyPr rtlCol="0" anchor="ctr"/>
+          <a:lstStyle/>
+          <a:p>
+            <a:pPr algn="ctr"/>
+            <a:endParaRPr kumimoji="1" lang="ja-JP" altLang="en-US"/>
+          </a:p>
+        </p:txBody>
+      </p:sp>
+      <p:sp>
+        <p:nvSpPr>
+          <p:cNvPr id="8" name="四角形: 角を丸くする 7">
+            <a:extLst>
+              <a:ext uri="{FF2B5EF4-FFF2-40B4-BE49-F238E27FC236}">
+                <a16:creationId xmlns:a16="http://schemas.microsoft.com/office/drawing/2014/main" id="{600D04DD-D907-062F-D887-A39DFEB284DC}"/>
+              </a:ext>
+            </a:extLst>
+          </p:cNvPr>
+          <p:cNvSpPr/>
+          <p:nvPr/>
+        </p:nvSpPr>
+        <p:spPr>
+          <a:xfrm>
+            <a:off x="3148780" y="3030981"/>
+            <a:ext cx="5161939" cy="769441"/>
+          </a:xfrm>
+          <a:prstGeom prst="roundRect">
+            <a:avLst/>
+          </a:prstGeom>
+          <a:noFill/>
+        </p:spPr>
+        <p:style>
+          <a:lnRef idx="2">
+            <a:schemeClr val="accent1">
+              <a:shade val="15000"/>
+            </a:schemeClr>
+          </a:lnRef>
+          <a:fillRef idx="1">
+            <a:schemeClr val="accent1"/>
+          </a:fillRef>
+          <a:effectRef idx="0">
+            <a:schemeClr val="accent1"/>
+          </a:effectRef>
+          <a:fontRef idx="minor">
+            <a:schemeClr val="lt1"/>
+          </a:fontRef>
+        </p:style>
+        <p:txBody>
+          <a:bodyPr rtlCol="0" anchor="ctr"/>
+          <a:lstStyle/>
+          <a:p>
+            <a:pPr algn="ctr"/>
+            <a:endParaRPr kumimoji="1" lang="ja-JP" altLang="en-US"/>
+          </a:p>
+        </p:txBody>
+      </p:sp>
+      <p:sp>
+        <p:nvSpPr>
+          <p:cNvPr id="11" name="四角形: 角を丸くする 10">
+            <a:extLst>
+              <a:ext uri="{FF2B5EF4-FFF2-40B4-BE49-F238E27FC236}">
+                <a16:creationId xmlns:a16="http://schemas.microsoft.com/office/drawing/2014/main" id="{5BD64468-A3CE-E0AA-70B8-FF3D62566B67}"/>
+              </a:ext>
+            </a:extLst>
+          </p:cNvPr>
+          <p:cNvSpPr/>
+          <p:nvPr/>
+        </p:nvSpPr>
+        <p:spPr>
+          <a:xfrm>
+            <a:off x="3202856" y="4019153"/>
+            <a:ext cx="6944034" cy="769441"/>
+          </a:xfrm>
+          <a:prstGeom prst="roundRect">
+            <a:avLst/>
+          </a:prstGeom>
+          <a:noFill/>
+        </p:spPr>
+        <p:style>
+          <a:lnRef idx="2">
+            <a:schemeClr val="accent1">
+              <a:shade val="15000"/>
+            </a:schemeClr>
+          </a:lnRef>
+          <a:fillRef idx="1">
+            <a:schemeClr val="accent1"/>
+          </a:fillRef>
+          <a:effectRef idx="0">
+            <a:schemeClr val="accent1"/>
+          </a:effectRef>
+          <a:fontRef idx="minor">
+            <a:schemeClr val="lt1"/>
+          </a:fontRef>
+        </p:style>
+        <p:txBody>
+          <a:bodyPr rtlCol="0" anchor="ctr"/>
+          <a:lstStyle/>
+          <a:p>
+            <a:pPr algn="ctr"/>
+            <a:endParaRPr kumimoji="1" lang="ja-JP" altLang="en-US"/>
+          </a:p>
+        </p:txBody>
+      </p:sp>
+      <p:sp>
+        <p:nvSpPr>
+          <p:cNvPr id="12" name="四角形: 角を丸くする 11">
+            <a:extLst>
+              <a:ext uri="{FF2B5EF4-FFF2-40B4-BE49-F238E27FC236}">
+                <a16:creationId xmlns:a16="http://schemas.microsoft.com/office/drawing/2014/main" id="{7C54F913-BEBD-EA85-58DE-91183D9DB0B0}"/>
+              </a:ext>
+            </a:extLst>
+          </p:cNvPr>
+          <p:cNvSpPr/>
+          <p:nvPr/>
+        </p:nvSpPr>
+        <p:spPr>
+          <a:xfrm>
+            <a:off x="3234810" y="4936993"/>
+            <a:ext cx="5348752" cy="769441"/>
+          </a:xfrm>
+          <a:prstGeom prst="roundRect">
+            <a:avLst/>
+          </a:prstGeom>
+          <a:noFill/>
+        </p:spPr>
+        <p:style>
+          <a:lnRef idx="2">
+            <a:schemeClr val="accent1">
+              <a:shade val="15000"/>
+            </a:schemeClr>
+          </a:lnRef>
+          <a:fillRef idx="1">
+            <a:schemeClr val="accent1"/>
+          </a:fillRef>
+          <a:effectRef idx="0">
+            <a:schemeClr val="accent1"/>
+          </a:effectRef>
+          <a:fontRef idx="minor">
+            <a:schemeClr val="lt1"/>
+          </a:fontRef>
+        </p:style>
+        <p:txBody>
+          <a:bodyPr rtlCol="0" anchor="ctr"/>
+          <a:lstStyle/>
+          <a:p>
+            <a:pPr algn="ctr"/>
+            <a:endParaRPr kumimoji="1" lang="ja-JP" altLang="en-US"/>
+          </a:p>
+        </p:txBody>
+      </p:sp>
     </p:spTree>
     <p:extLst>
       <p:ext uri="{BB962C8B-B14F-4D97-AF65-F5344CB8AC3E}">
-        <p14:creationId xmlns:p14="http://schemas.microsoft.com/office/powerpoint/2010/main" val="1966765378"/>
+        <p14:creationId xmlns:p14="http://schemas.microsoft.com/office/powerpoint/2010/main" val="3565004994"/>
+      </p:ext>
+    </p:extLst>
+  </p:cSld>
+  <p:clrMapOvr>
+    <a:masterClrMapping/>
+  </p:clrMapOvr>
+</p:sld>
+</file>
+
+<file path=ppt/slides/slide3.xml><?xml version="1.0" encoding="utf-8"?>
+<p:sld xmlns:a="http://schemas.openxmlformats.org/drawingml/2006/main" xmlns:r="http://schemas.openxmlformats.org/officeDocument/2006/relationships" xmlns:p="http://schemas.openxmlformats.org/presentationml/2006/main">
+  <p:cSld>
+    <p:spTree>
+      <p:nvGrpSpPr>
+        <p:cNvPr id="1" name=""/>
+        <p:cNvGrpSpPr/>
+        <p:nvPr/>
+      </p:nvGrpSpPr>
+      <p:grpSpPr>
+        <a:xfrm>
+          <a:off x="0" y="0"/>
+          <a:ext cx="0" cy="0"/>
+          <a:chOff x="0" y="0"/>
+          <a:chExt cx="0" cy="0"/>
+        </a:xfrm>
+      </p:grpSpPr>
+      <p:sp>
+        <p:nvSpPr>
+          <p:cNvPr id="4" name="正方形/長方形 3">
+            <a:extLst>
+              <a:ext uri="{FF2B5EF4-FFF2-40B4-BE49-F238E27FC236}">
+                <a16:creationId xmlns:a16="http://schemas.microsoft.com/office/drawing/2014/main" id="{EA26D33B-9946-9EE2-FB73-6CBA6DE5A2E8}"/>
+              </a:ext>
+            </a:extLst>
+          </p:cNvPr>
+          <p:cNvSpPr/>
+          <p:nvPr/>
+        </p:nvSpPr>
+        <p:spPr>
+          <a:xfrm>
+            <a:off x="1686230" y="1366684"/>
+            <a:ext cx="9306235" cy="5122606"/>
+          </a:xfrm>
+          <a:prstGeom prst="rect">
+            <a:avLst/>
+          </a:prstGeom>
+          <a:noFill/>
+        </p:spPr>
+        <p:style>
+          <a:lnRef idx="2">
+            <a:schemeClr val="accent1">
+              <a:shade val="15000"/>
+            </a:schemeClr>
+          </a:lnRef>
+          <a:fillRef idx="1">
+            <a:schemeClr val="accent1"/>
+          </a:fillRef>
+          <a:effectRef idx="0">
+            <a:schemeClr val="accent1"/>
+          </a:effectRef>
+          <a:fontRef idx="minor">
+            <a:schemeClr val="lt1"/>
+          </a:fontRef>
+        </p:style>
+        <p:txBody>
+          <a:bodyPr rtlCol="0" anchor="ctr"/>
+          <a:lstStyle/>
+          <a:p>
+            <a:pPr algn="ctr"/>
+            <a:endParaRPr kumimoji="1" lang="ja-JP" altLang="en-US" dirty="0"/>
+          </a:p>
+        </p:txBody>
+      </p:sp>
+      <p:sp>
+        <p:nvSpPr>
+          <p:cNvPr id="7" name="テキスト ボックス 6">
+            <a:extLst>
+              <a:ext uri="{FF2B5EF4-FFF2-40B4-BE49-F238E27FC236}">
+                <a16:creationId xmlns:a16="http://schemas.microsoft.com/office/drawing/2014/main" id="{E520EC71-999A-A018-77C2-9D47F259A882}"/>
+              </a:ext>
+            </a:extLst>
+          </p:cNvPr>
+          <p:cNvSpPr txBox="1"/>
+          <p:nvPr/>
+        </p:nvSpPr>
+        <p:spPr>
+          <a:xfrm>
+            <a:off x="3264306" y="2068426"/>
+            <a:ext cx="5879694" cy="769441"/>
+          </a:xfrm>
+          <a:prstGeom prst="rect">
+            <a:avLst/>
+          </a:prstGeom>
+          <a:noFill/>
+        </p:spPr>
+        <p:txBody>
+          <a:bodyPr wrap="square" rtlCol="0">
+            <a:spAutoFit/>
+          </a:bodyPr>
+          <a:lstStyle/>
+          <a:p>
+            <a:r>
+              <a:rPr lang="ja-JP" altLang="en-US" sz="4400" dirty="0"/>
+              <a:t>ユーザーの名前確認窓</a:t>
+            </a:r>
+            <a:endParaRPr kumimoji="1" lang="ja-JP" altLang="en-US" sz="4400" dirty="0"/>
+          </a:p>
+        </p:txBody>
+      </p:sp>
+      <p:sp>
+        <p:nvSpPr>
+          <p:cNvPr id="9" name="テキスト ボックス 8">
+            <a:extLst>
+              <a:ext uri="{FF2B5EF4-FFF2-40B4-BE49-F238E27FC236}">
+                <a16:creationId xmlns:a16="http://schemas.microsoft.com/office/drawing/2014/main" id="{92A6C6A4-1CE0-4A62-DAEE-F30FE309490E}"/>
+              </a:ext>
+            </a:extLst>
+          </p:cNvPr>
+          <p:cNvSpPr txBox="1"/>
+          <p:nvPr/>
+        </p:nvSpPr>
+        <p:spPr>
+          <a:xfrm>
+            <a:off x="4306526" y="300446"/>
+            <a:ext cx="3687100" cy="769441"/>
+          </a:xfrm>
+          <a:prstGeom prst="rect">
+            <a:avLst/>
+          </a:prstGeom>
+          <a:noFill/>
+        </p:spPr>
+        <p:txBody>
+          <a:bodyPr wrap="square" rtlCol="0">
+            <a:spAutoFit/>
+          </a:bodyPr>
+          <a:lstStyle/>
+          <a:p>
+            <a:r>
+              <a:rPr lang="ja-JP" altLang="en-US" sz="4400" dirty="0"/>
+              <a:t>ログイン</a:t>
+            </a:r>
+            <a:r>
+              <a:rPr kumimoji="1" lang="ja-JP" altLang="en-US" sz="4400" dirty="0"/>
+              <a:t>画面</a:t>
+            </a:r>
+          </a:p>
+        </p:txBody>
+      </p:sp>
+      <p:sp>
+        <p:nvSpPr>
+          <p:cNvPr id="10" name="テキスト ボックス 9">
+            <a:extLst>
+              <a:ext uri="{FF2B5EF4-FFF2-40B4-BE49-F238E27FC236}">
+                <a16:creationId xmlns:a16="http://schemas.microsoft.com/office/drawing/2014/main" id="{BA7297D7-1C81-64BF-CB8D-66EB3BB55CF5}"/>
+              </a:ext>
+            </a:extLst>
+          </p:cNvPr>
+          <p:cNvSpPr txBox="1"/>
+          <p:nvPr/>
+        </p:nvSpPr>
+        <p:spPr>
+          <a:xfrm>
+            <a:off x="997972" y="384023"/>
+            <a:ext cx="2895603" cy="707886"/>
+          </a:xfrm>
+          <a:prstGeom prst="rect">
+            <a:avLst/>
+          </a:prstGeom>
+          <a:noFill/>
+        </p:spPr>
+        <p:txBody>
+          <a:bodyPr wrap="square" rtlCol="0">
+            <a:spAutoFit/>
+          </a:bodyPr>
+          <a:lstStyle/>
+          <a:p>
+            <a:r>
+              <a:rPr kumimoji="1" lang="en-US" altLang="ja-JP" sz="2000" dirty="0"/>
+              <a:t>※</a:t>
+            </a:r>
+            <a:r>
+              <a:rPr kumimoji="1" lang="ja-JP" altLang="en-US" sz="2000" dirty="0"/>
+              <a:t>できるだけレスポンシブデザインで</a:t>
+            </a:r>
+          </a:p>
+        </p:txBody>
+      </p:sp>
+      <p:sp>
+        <p:nvSpPr>
+          <p:cNvPr id="2" name="テキスト ボックス 1">
+            <a:extLst>
+              <a:ext uri="{FF2B5EF4-FFF2-40B4-BE49-F238E27FC236}">
+                <a16:creationId xmlns:a16="http://schemas.microsoft.com/office/drawing/2014/main" id="{2B7359EA-B5F0-8541-2B7C-CF7BD449BA27}"/>
+              </a:ext>
+            </a:extLst>
+          </p:cNvPr>
+          <p:cNvSpPr txBox="1"/>
+          <p:nvPr/>
+        </p:nvSpPr>
+        <p:spPr>
+          <a:xfrm>
+            <a:off x="3249560" y="4029963"/>
+            <a:ext cx="7044813" cy="769441"/>
+          </a:xfrm>
+          <a:prstGeom prst="rect">
+            <a:avLst/>
+          </a:prstGeom>
+          <a:noFill/>
+        </p:spPr>
+        <p:txBody>
+          <a:bodyPr wrap="square" rtlCol="0">
+            <a:spAutoFit/>
+          </a:bodyPr>
+          <a:lstStyle/>
+          <a:p>
+            <a:r>
+              <a:rPr lang="ja-JP" altLang="en-US" sz="4400" dirty="0"/>
+              <a:t>ユーザーパスワード確認窓</a:t>
+            </a:r>
+            <a:endParaRPr kumimoji="1" lang="ja-JP" altLang="en-US" sz="4400" dirty="0"/>
+          </a:p>
+        </p:txBody>
+      </p:sp>
+      <p:sp>
+        <p:nvSpPr>
+          <p:cNvPr id="3" name="テキスト ボックス 2">
+            <a:extLst>
+              <a:ext uri="{FF2B5EF4-FFF2-40B4-BE49-F238E27FC236}">
+                <a16:creationId xmlns:a16="http://schemas.microsoft.com/office/drawing/2014/main" id="{BA44DF7A-2767-ED7A-6E9C-F66063CF9AAF}"/>
+              </a:ext>
+            </a:extLst>
+          </p:cNvPr>
+          <p:cNvSpPr txBox="1"/>
+          <p:nvPr/>
+        </p:nvSpPr>
+        <p:spPr>
+          <a:xfrm>
+            <a:off x="3283971" y="4998440"/>
+            <a:ext cx="5348752" cy="769441"/>
+          </a:xfrm>
+          <a:prstGeom prst="rect">
+            <a:avLst/>
+          </a:prstGeom>
+          <a:noFill/>
+        </p:spPr>
+        <p:txBody>
+          <a:bodyPr wrap="square" rtlCol="0">
+            <a:spAutoFit/>
+          </a:bodyPr>
+          <a:lstStyle/>
+          <a:p>
+            <a:r>
+              <a:rPr lang="ja-JP" altLang="en-US" sz="4400" dirty="0"/>
+              <a:t>会員</a:t>
+            </a:r>
+            <a:r>
+              <a:rPr kumimoji="1" lang="ja-JP" altLang="en-US" sz="4400" dirty="0"/>
+              <a:t>情報</a:t>
+            </a:r>
+            <a:r>
+              <a:rPr lang="ja-JP" altLang="en-US" sz="4400" dirty="0"/>
+              <a:t>確認</a:t>
+            </a:r>
+            <a:r>
+              <a:rPr kumimoji="1" lang="ja-JP" altLang="en-US" sz="4400" dirty="0"/>
+              <a:t>ボタン</a:t>
+            </a:r>
+          </a:p>
+        </p:txBody>
+      </p:sp>
+      <p:sp>
+        <p:nvSpPr>
+          <p:cNvPr id="5" name="テキスト ボックス 4">
+            <a:extLst>
+              <a:ext uri="{FF2B5EF4-FFF2-40B4-BE49-F238E27FC236}">
+                <a16:creationId xmlns:a16="http://schemas.microsoft.com/office/drawing/2014/main" id="{5945BF55-15BE-9116-3E1F-0F4AF1E6FA4A}"/>
+              </a:ext>
+            </a:extLst>
+          </p:cNvPr>
+          <p:cNvSpPr txBox="1"/>
+          <p:nvPr/>
+        </p:nvSpPr>
+        <p:spPr>
+          <a:xfrm>
+            <a:off x="3264305" y="3061486"/>
+            <a:ext cx="5161939" cy="769441"/>
+          </a:xfrm>
+          <a:prstGeom prst="rect">
+            <a:avLst/>
+          </a:prstGeom>
+          <a:noFill/>
+        </p:spPr>
+        <p:txBody>
+          <a:bodyPr wrap="square" rtlCol="0">
+            <a:spAutoFit/>
+          </a:bodyPr>
+          <a:lstStyle/>
+          <a:p>
+            <a:r>
+              <a:rPr lang="ja-JP" altLang="en-US" sz="4400" dirty="0"/>
+              <a:t>ユーザー</a:t>
+            </a:r>
+            <a:r>
+              <a:rPr lang="en-US" altLang="ja-JP" sz="4400" dirty="0"/>
+              <a:t>ID</a:t>
+            </a:r>
+            <a:r>
+              <a:rPr lang="ja-JP" altLang="en-US" sz="4400" dirty="0"/>
+              <a:t>確認窓</a:t>
+            </a:r>
+            <a:endParaRPr kumimoji="1" lang="ja-JP" altLang="en-US" sz="4400" dirty="0"/>
+          </a:p>
+        </p:txBody>
+      </p:sp>
+      <p:sp>
+        <p:nvSpPr>
+          <p:cNvPr id="6" name="四角形: 角を丸くする 5">
+            <a:extLst>
+              <a:ext uri="{FF2B5EF4-FFF2-40B4-BE49-F238E27FC236}">
+                <a16:creationId xmlns:a16="http://schemas.microsoft.com/office/drawing/2014/main" id="{0AF1F1F7-EA69-D9AC-45A7-106B5C3F57CC}"/>
+              </a:ext>
+            </a:extLst>
+          </p:cNvPr>
+          <p:cNvSpPr/>
+          <p:nvPr/>
+        </p:nvSpPr>
+        <p:spPr>
+          <a:xfrm>
+            <a:off x="3249560" y="2061054"/>
+            <a:ext cx="5894440" cy="769441"/>
+          </a:xfrm>
+          <a:prstGeom prst="roundRect">
+            <a:avLst/>
+          </a:prstGeom>
+          <a:noFill/>
+        </p:spPr>
+        <p:style>
+          <a:lnRef idx="2">
+            <a:schemeClr val="accent1">
+              <a:shade val="15000"/>
+            </a:schemeClr>
+          </a:lnRef>
+          <a:fillRef idx="1">
+            <a:schemeClr val="accent1"/>
+          </a:fillRef>
+          <a:effectRef idx="0">
+            <a:schemeClr val="accent1"/>
+          </a:effectRef>
+          <a:fontRef idx="minor">
+            <a:schemeClr val="lt1"/>
+          </a:fontRef>
+        </p:style>
+        <p:txBody>
+          <a:bodyPr rtlCol="0" anchor="ctr"/>
+          <a:lstStyle/>
+          <a:p>
+            <a:pPr algn="ctr"/>
+            <a:endParaRPr kumimoji="1" lang="ja-JP" altLang="en-US"/>
+          </a:p>
+        </p:txBody>
+      </p:sp>
+      <p:sp>
+        <p:nvSpPr>
+          <p:cNvPr id="8" name="四角形: 角を丸くする 7">
+            <a:extLst>
+              <a:ext uri="{FF2B5EF4-FFF2-40B4-BE49-F238E27FC236}">
+                <a16:creationId xmlns:a16="http://schemas.microsoft.com/office/drawing/2014/main" id="{600D04DD-D907-062F-D887-A39DFEB284DC}"/>
+              </a:ext>
+            </a:extLst>
+          </p:cNvPr>
+          <p:cNvSpPr/>
+          <p:nvPr/>
+        </p:nvSpPr>
+        <p:spPr>
+          <a:xfrm>
+            <a:off x="3148780" y="3030981"/>
+            <a:ext cx="5161939" cy="769441"/>
+          </a:xfrm>
+          <a:prstGeom prst="roundRect">
+            <a:avLst/>
+          </a:prstGeom>
+          <a:noFill/>
+        </p:spPr>
+        <p:style>
+          <a:lnRef idx="2">
+            <a:schemeClr val="accent1">
+              <a:shade val="15000"/>
+            </a:schemeClr>
+          </a:lnRef>
+          <a:fillRef idx="1">
+            <a:schemeClr val="accent1"/>
+          </a:fillRef>
+          <a:effectRef idx="0">
+            <a:schemeClr val="accent1"/>
+          </a:effectRef>
+          <a:fontRef idx="minor">
+            <a:schemeClr val="lt1"/>
+          </a:fontRef>
+        </p:style>
+        <p:txBody>
+          <a:bodyPr rtlCol="0" anchor="ctr"/>
+          <a:lstStyle/>
+          <a:p>
+            <a:pPr algn="ctr"/>
+            <a:endParaRPr kumimoji="1" lang="ja-JP" altLang="en-US"/>
+          </a:p>
+        </p:txBody>
+      </p:sp>
+      <p:sp>
+        <p:nvSpPr>
+          <p:cNvPr id="11" name="四角形: 角を丸くする 10">
+            <a:extLst>
+              <a:ext uri="{FF2B5EF4-FFF2-40B4-BE49-F238E27FC236}">
+                <a16:creationId xmlns:a16="http://schemas.microsoft.com/office/drawing/2014/main" id="{5BD64468-A3CE-E0AA-70B8-FF3D62566B67}"/>
+              </a:ext>
+            </a:extLst>
+          </p:cNvPr>
+          <p:cNvSpPr/>
+          <p:nvPr/>
+        </p:nvSpPr>
+        <p:spPr>
+          <a:xfrm>
+            <a:off x="3202856" y="4019153"/>
+            <a:ext cx="6944034" cy="769441"/>
+          </a:xfrm>
+          <a:prstGeom prst="roundRect">
+            <a:avLst/>
+          </a:prstGeom>
+          <a:noFill/>
+        </p:spPr>
+        <p:style>
+          <a:lnRef idx="2">
+            <a:schemeClr val="accent1">
+              <a:shade val="15000"/>
+            </a:schemeClr>
+          </a:lnRef>
+          <a:fillRef idx="1">
+            <a:schemeClr val="accent1"/>
+          </a:fillRef>
+          <a:effectRef idx="0">
+            <a:schemeClr val="accent1"/>
+          </a:effectRef>
+          <a:fontRef idx="minor">
+            <a:schemeClr val="lt1"/>
+          </a:fontRef>
+        </p:style>
+        <p:txBody>
+          <a:bodyPr rtlCol="0" anchor="ctr"/>
+          <a:lstStyle/>
+          <a:p>
+            <a:pPr algn="ctr"/>
+            <a:endParaRPr kumimoji="1" lang="ja-JP" altLang="en-US"/>
+          </a:p>
+        </p:txBody>
+      </p:sp>
+      <p:sp>
+        <p:nvSpPr>
+          <p:cNvPr id="12" name="四角形: 角を丸くする 11">
+            <a:extLst>
+              <a:ext uri="{FF2B5EF4-FFF2-40B4-BE49-F238E27FC236}">
+                <a16:creationId xmlns:a16="http://schemas.microsoft.com/office/drawing/2014/main" id="{7C54F913-BEBD-EA85-58DE-91183D9DB0B0}"/>
+              </a:ext>
+            </a:extLst>
+          </p:cNvPr>
+          <p:cNvSpPr/>
+          <p:nvPr/>
+        </p:nvSpPr>
+        <p:spPr>
+          <a:xfrm>
+            <a:off x="3234810" y="4936993"/>
+            <a:ext cx="5348752" cy="769441"/>
+          </a:xfrm>
+          <a:prstGeom prst="roundRect">
+            <a:avLst/>
+          </a:prstGeom>
+          <a:noFill/>
+        </p:spPr>
+        <p:style>
+          <a:lnRef idx="2">
+            <a:schemeClr val="accent1">
+              <a:shade val="15000"/>
+            </a:schemeClr>
+          </a:lnRef>
+          <a:fillRef idx="1">
+            <a:schemeClr val="accent1"/>
+          </a:fillRef>
+          <a:effectRef idx="0">
+            <a:schemeClr val="accent1"/>
+          </a:effectRef>
+          <a:fontRef idx="minor">
+            <a:schemeClr val="lt1"/>
+          </a:fontRef>
+        </p:style>
+        <p:txBody>
+          <a:bodyPr rtlCol="0" anchor="ctr"/>
+          <a:lstStyle/>
+          <a:p>
+            <a:pPr algn="ctr"/>
+            <a:endParaRPr kumimoji="1" lang="ja-JP" altLang="en-US"/>
+          </a:p>
+        </p:txBody>
+      </p:sp>
+    </p:spTree>
+    <p:extLst>
+      <p:ext uri="{BB962C8B-B14F-4D97-AF65-F5344CB8AC3E}">
+        <p14:creationId xmlns:p14="http://schemas.microsoft.com/office/powerpoint/2010/main" val="3163753630"/>
+      </p:ext>
+    </p:extLst>
+  </p:cSld>
+  <p:clrMapOvr>
+    <a:masterClrMapping/>
+  </p:clrMapOvr>
+</p:sld>
+</file>
+
+<file path=ppt/slides/slide4.xml><?xml version="1.0" encoding="utf-8"?>
+<p:sld xmlns:a="http://schemas.openxmlformats.org/drawingml/2006/main" xmlns:r="http://schemas.openxmlformats.org/officeDocument/2006/relationships" xmlns:p="http://schemas.openxmlformats.org/presentationml/2006/main">
+  <p:cSld>
+    <p:spTree>
+      <p:nvGrpSpPr>
+        <p:cNvPr id="1" name=""/>
+        <p:cNvGrpSpPr/>
+        <p:nvPr/>
+      </p:nvGrpSpPr>
+      <p:grpSpPr>
+        <a:xfrm>
+          <a:off x="0" y="0"/>
+          <a:ext cx="0" cy="0"/>
+          <a:chOff x="0" y="0"/>
+          <a:chExt cx="0" cy="0"/>
+        </a:xfrm>
+      </p:grpSpPr>
+      <p:sp>
+        <p:nvSpPr>
+          <p:cNvPr id="4" name="正方形/長方形 3">
+            <a:extLst>
+              <a:ext uri="{FF2B5EF4-FFF2-40B4-BE49-F238E27FC236}">
+                <a16:creationId xmlns:a16="http://schemas.microsoft.com/office/drawing/2014/main" id="{EA26D33B-9946-9EE2-FB73-6CBA6DE5A2E8}"/>
+              </a:ext>
+            </a:extLst>
+          </p:cNvPr>
+          <p:cNvSpPr/>
+          <p:nvPr/>
+        </p:nvSpPr>
+        <p:spPr>
+          <a:xfrm>
+            <a:off x="1686230" y="1366684"/>
+            <a:ext cx="9306235" cy="5122606"/>
+          </a:xfrm>
+          <a:prstGeom prst="rect">
+            <a:avLst/>
+          </a:prstGeom>
+          <a:noFill/>
+        </p:spPr>
+        <p:style>
+          <a:lnRef idx="2">
+            <a:schemeClr val="accent1">
+              <a:shade val="15000"/>
+            </a:schemeClr>
+          </a:lnRef>
+          <a:fillRef idx="1">
+            <a:schemeClr val="accent1"/>
+          </a:fillRef>
+          <a:effectRef idx="0">
+            <a:schemeClr val="accent1"/>
+          </a:effectRef>
+          <a:fontRef idx="minor">
+            <a:schemeClr val="lt1"/>
+          </a:fontRef>
+        </p:style>
+        <p:txBody>
+          <a:bodyPr rtlCol="0" anchor="ctr"/>
+          <a:lstStyle/>
+          <a:p>
+            <a:pPr algn="ctr"/>
+            <a:endParaRPr kumimoji="1" lang="ja-JP" altLang="en-US" dirty="0"/>
+          </a:p>
+        </p:txBody>
+      </p:sp>
+      <p:sp>
+        <p:nvSpPr>
+          <p:cNvPr id="7" name="テキスト ボックス 6">
+            <a:extLst>
+              <a:ext uri="{FF2B5EF4-FFF2-40B4-BE49-F238E27FC236}">
+                <a16:creationId xmlns:a16="http://schemas.microsoft.com/office/drawing/2014/main" id="{E520EC71-999A-A018-77C2-9D47F259A882}"/>
+              </a:ext>
+            </a:extLst>
+          </p:cNvPr>
+          <p:cNvSpPr txBox="1"/>
+          <p:nvPr/>
+        </p:nvSpPr>
+        <p:spPr>
+          <a:xfrm>
+            <a:off x="4473676" y="2402724"/>
+            <a:ext cx="4149214" cy="769441"/>
+          </a:xfrm>
+          <a:prstGeom prst="rect">
+            <a:avLst/>
+          </a:prstGeom>
+          <a:noFill/>
+        </p:spPr>
+        <p:txBody>
+          <a:bodyPr wrap="square" rtlCol="0">
+            <a:spAutoFit/>
+          </a:bodyPr>
+          <a:lstStyle/>
+          <a:p>
+            <a:r>
+              <a:rPr lang="ja-JP" altLang="en-US" sz="4400" dirty="0"/>
+              <a:t>会員</a:t>
+            </a:r>
+            <a:r>
+              <a:rPr kumimoji="1" lang="ja-JP" altLang="en-US" sz="4400" dirty="0"/>
+              <a:t>登録ボタン</a:t>
+            </a:r>
+          </a:p>
+        </p:txBody>
+      </p:sp>
+      <p:sp>
+        <p:nvSpPr>
+          <p:cNvPr id="9" name="テキスト ボックス 8">
+            <a:extLst>
+              <a:ext uri="{FF2B5EF4-FFF2-40B4-BE49-F238E27FC236}">
+                <a16:creationId xmlns:a16="http://schemas.microsoft.com/office/drawing/2014/main" id="{92A6C6A4-1CE0-4A62-DAEE-F30FE309490E}"/>
+              </a:ext>
+            </a:extLst>
+          </p:cNvPr>
+          <p:cNvSpPr txBox="1"/>
+          <p:nvPr/>
+        </p:nvSpPr>
+        <p:spPr>
+          <a:xfrm>
+            <a:off x="4306526" y="300446"/>
+            <a:ext cx="3687100" cy="769441"/>
+          </a:xfrm>
+          <a:prstGeom prst="rect">
+            <a:avLst/>
+          </a:prstGeom>
+          <a:noFill/>
+        </p:spPr>
+        <p:txBody>
+          <a:bodyPr wrap="square" rtlCol="0">
+            <a:spAutoFit/>
+          </a:bodyPr>
+          <a:lstStyle/>
+          <a:p>
+            <a:r>
+              <a:rPr kumimoji="1" lang="ja-JP" altLang="en-US" sz="4400" dirty="0"/>
+              <a:t>スタート画面</a:t>
+            </a:r>
+          </a:p>
+        </p:txBody>
+      </p:sp>
+      <p:sp>
+        <p:nvSpPr>
+          <p:cNvPr id="10" name="テキスト ボックス 9">
+            <a:extLst>
+              <a:ext uri="{FF2B5EF4-FFF2-40B4-BE49-F238E27FC236}">
+                <a16:creationId xmlns:a16="http://schemas.microsoft.com/office/drawing/2014/main" id="{BA7297D7-1C81-64BF-CB8D-66EB3BB55CF5}"/>
+              </a:ext>
+            </a:extLst>
+          </p:cNvPr>
+          <p:cNvSpPr txBox="1"/>
+          <p:nvPr/>
+        </p:nvSpPr>
+        <p:spPr>
+          <a:xfrm>
+            <a:off x="997972" y="384023"/>
+            <a:ext cx="2895603" cy="707886"/>
+          </a:xfrm>
+          <a:prstGeom prst="rect">
+            <a:avLst/>
+          </a:prstGeom>
+          <a:noFill/>
+        </p:spPr>
+        <p:txBody>
+          <a:bodyPr wrap="square" rtlCol="0">
+            <a:spAutoFit/>
+          </a:bodyPr>
+          <a:lstStyle/>
+          <a:p>
+            <a:r>
+              <a:rPr kumimoji="1" lang="en-US" altLang="ja-JP" sz="2000" dirty="0"/>
+              <a:t>※</a:t>
+            </a:r>
+            <a:r>
+              <a:rPr kumimoji="1" lang="ja-JP" altLang="en-US" sz="2000" dirty="0"/>
+              <a:t>できるだけレスポンシブデザインで</a:t>
+            </a:r>
+          </a:p>
+        </p:txBody>
+      </p:sp>
+      <p:sp>
+        <p:nvSpPr>
+          <p:cNvPr id="2" name="テキスト ボックス 1">
+            <a:extLst>
+              <a:ext uri="{FF2B5EF4-FFF2-40B4-BE49-F238E27FC236}">
+                <a16:creationId xmlns:a16="http://schemas.microsoft.com/office/drawing/2014/main" id="{2B7359EA-B5F0-8541-2B7C-CF7BD449BA27}"/>
+              </a:ext>
+            </a:extLst>
+          </p:cNvPr>
+          <p:cNvSpPr txBox="1"/>
+          <p:nvPr/>
+        </p:nvSpPr>
+        <p:spPr>
+          <a:xfrm>
+            <a:off x="4458931" y="4236445"/>
+            <a:ext cx="4149214" cy="769441"/>
+          </a:xfrm>
+          <a:prstGeom prst="rect">
+            <a:avLst/>
+          </a:prstGeom>
+          <a:noFill/>
+        </p:spPr>
+        <p:txBody>
+          <a:bodyPr wrap="square" rtlCol="0">
+            <a:spAutoFit/>
+          </a:bodyPr>
+          <a:lstStyle/>
+          <a:p>
+            <a:r>
+              <a:rPr kumimoji="1" lang="ja-JP" altLang="en-US" sz="4400" dirty="0"/>
+              <a:t>ログインボタン</a:t>
+            </a:r>
+          </a:p>
+        </p:txBody>
+      </p:sp>
+    </p:spTree>
+    <p:extLst>
+      <p:ext uri="{BB962C8B-B14F-4D97-AF65-F5344CB8AC3E}">
+        <p14:creationId xmlns:p14="http://schemas.microsoft.com/office/powerpoint/2010/main" val="2649839129"/>
+      </p:ext>
+    </p:extLst>
+  </p:cSld>
+  <p:clrMapOvr>
+    <a:masterClrMapping/>
+  </p:clrMapOvr>
+</p:sld>
+</file>
+
+<file path=ppt/slides/slide5.xml><?xml version="1.0" encoding="utf-8"?>
+<p:sld xmlns:a="http://schemas.openxmlformats.org/drawingml/2006/main" xmlns:r="http://schemas.openxmlformats.org/officeDocument/2006/relationships" xmlns:p="http://schemas.openxmlformats.org/presentationml/2006/main">
+  <p:cSld>
+    <p:spTree>
+      <p:nvGrpSpPr>
+        <p:cNvPr id="1" name=""/>
+        <p:cNvGrpSpPr/>
+        <p:nvPr/>
+      </p:nvGrpSpPr>
+      <p:grpSpPr>
+        <a:xfrm>
+          <a:off x="0" y="0"/>
+          <a:ext cx="0" cy="0"/>
+          <a:chOff x="0" y="0"/>
+          <a:chExt cx="0" cy="0"/>
+        </a:xfrm>
+      </p:grpSpPr>
+      <p:sp>
+        <p:nvSpPr>
+          <p:cNvPr id="4" name="正方形/長方形 3">
+            <a:extLst>
+              <a:ext uri="{FF2B5EF4-FFF2-40B4-BE49-F238E27FC236}">
+                <a16:creationId xmlns:a16="http://schemas.microsoft.com/office/drawing/2014/main" id="{EA26D33B-9946-9EE2-FB73-6CBA6DE5A2E8}"/>
+              </a:ext>
+            </a:extLst>
+          </p:cNvPr>
+          <p:cNvSpPr/>
+          <p:nvPr/>
+        </p:nvSpPr>
+        <p:spPr>
+          <a:xfrm>
+            <a:off x="1686230" y="1366684"/>
+            <a:ext cx="9306235" cy="5122606"/>
+          </a:xfrm>
+          <a:prstGeom prst="rect">
+            <a:avLst/>
+          </a:prstGeom>
+          <a:noFill/>
+        </p:spPr>
+        <p:style>
+          <a:lnRef idx="2">
+            <a:schemeClr val="accent1">
+              <a:shade val="15000"/>
+            </a:schemeClr>
+          </a:lnRef>
+          <a:fillRef idx="1">
+            <a:schemeClr val="accent1"/>
+          </a:fillRef>
+          <a:effectRef idx="0">
+            <a:schemeClr val="accent1"/>
+          </a:effectRef>
+          <a:fontRef idx="minor">
+            <a:schemeClr val="lt1"/>
+          </a:fontRef>
+        </p:style>
+        <p:txBody>
+          <a:bodyPr rtlCol="0" anchor="ctr"/>
+          <a:lstStyle/>
+          <a:p>
+            <a:pPr algn="ctr"/>
+            <a:endParaRPr kumimoji="1" lang="ja-JP" altLang="en-US" dirty="0"/>
+          </a:p>
+        </p:txBody>
+      </p:sp>
+      <p:sp>
+        <p:nvSpPr>
+          <p:cNvPr id="7" name="テキスト ボックス 6">
+            <a:extLst>
+              <a:ext uri="{FF2B5EF4-FFF2-40B4-BE49-F238E27FC236}">
+                <a16:creationId xmlns:a16="http://schemas.microsoft.com/office/drawing/2014/main" id="{E520EC71-999A-A018-77C2-9D47F259A882}"/>
+              </a:ext>
+            </a:extLst>
+          </p:cNvPr>
+          <p:cNvSpPr txBox="1"/>
+          <p:nvPr/>
+        </p:nvSpPr>
+        <p:spPr>
+          <a:xfrm>
+            <a:off x="4473676" y="2402724"/>
+            <a:ext cx="4149214" cy="769441"/>
+          </a:xfrm>
+          <a:prstGeom prst="rect">
+            <a:avLst/>
+          </a:prstGeom>
+          <a:noFill/>
+        </p:spPr>
+        <p:txBody>
+          <a:bodyPr wrap="square" rtlCol="0">
+            <a:spAutoFit/>
+          </a:bodyPr>
+          <a:lstStyle/>
+          <a:p>
+            <a:r>
+              <a:rPr lang="ja-JP" altLang="en-US" sz="4400" dirty="0"/>
+              <a:t>会員</a:t>
+            </a:r>
+            <a:r>
+              <a:rPr kumimoji="1" lang="ja-JP" altLang="en-US" sz="4400" dirty="0"/>
+              <a:t>登録ボタン</a:t>
+            </a:r>
+          </a:p>
+        </p:txBody>
+      </p:sp>
+      <p:sp>
+        <p:nvSpPr>
+          <p:cNvPr id="9" name="テキスト ボックス 8">
+            <a:extLst>
+              <a:ext uri="{FF2B5EF4-FFF2-40B4-BE49-F238E27FC236}">
+                <a16:creationId xmlns:a16="http://schemas.microsoft.com/office/drawing/2014/main" id="{92A6C6A4-1CE0-4A62-DAEE-F30FE309490E}"/>
+              </a:ext>
+            </a:extLst>
+          </p:cNvPr>
+          <p:cNvSpPr txBox="1"/>
+          <p:nvPr/>
+        </p:nvSpPr>
+        <p:spPr>
+          <a:xfrm>
+            <a:off x="4306526" y="300446"/>
+            <a:ext cx="3687100" cy="769441"/>
+          </a:xfrm>
+          <a:prstGeom prst="rect">
+            <a:avLst/>
+          </a:prstGeom>
+          <a:noFill/>
+        </p:spPr>
+        <p:txBody>
+          <a:bodyPr wrap="square" rtlCol="0">
+            <a:spAutoFit/>
+          </a:bodyPr>
+          <a:lstStyle/>
+          <a:p>
+            <a:r>
+              <a:rPr kumimoji="1" lang="ja-JP" altLang="en-US" sz="4400" dirty="0"/>
+              <a:t>スタート画面</a:t>
+            </a:r>
+          </a:p>
+        </p:txBody>
+      </p:sp>
+      <p:sp>
+        <p:nvSpPr>
+          <p:cNvPr id="10" name="テキスト ボックス 9">
+            <a:extLst>
+              <a:ext uri="{FF2B5EF4-FFF2-40B4-BE49-F238E27FC236}">
+                <a16:creationId xmlns:a16="http://schemas.microsoft.com/office/drawing/2014/main" id="{BA7297D7-1C81-64BF-CB8D-66EB3BB55CF5}"/>
+              </a:ext>
+            </a:extLst>
+          </p:cNvPr>
+          <p:cNvSpPr txBox="1"/>
+          <p:nvPr/>
+        </p:nvSpPr>
+        <p:spPr>
+          <a:xfrm>
+            <a:off x="997972" y="384023"/>
+            <a:ext cx="2895603" cy="707886"/>
+          </a:xfrm>
+          <a:prstGeom prst="rect">
+            <a:avLst/>
+          </a:prstGeom>
+          <a:noFill/>
+        </p:spPr>
+        <p:txBody>
+          <a:bodyPr wrap="square" rtlCol="0">
+            <a:spAutoFit/>
+          </a:bodyPr>
+          <a:lstStyle/>
+          <a:p>
+            <a:r>
+              <a:rPr kumimoji="1" lang="en-US" altLang="ja-JP" sz="2000" dirty="0"/>
+              <a:t>※</a:t>
+            </a:r>
+            <a:r>
+              <a:rPr kumimoji="1" lang="ja-JP" altLang="en-US" sz="2000" dirty="0"/>
+              <a:t>できるだけレスポンシブデザインで</a:t>
+            </a:r>
+          </a:p>
+        </p:txBody>
+      </p:sp>
+      <p:sp>
+        <p:nvSpPr>
+          <p:cNvPr id="2" name="テキスト ボックス 1">
+            <a:extLst>
+              <a:ext uri="{FF2B5EF4-FFF2-40B4-BE49-F238E27FC236}">
+                <a16:creationId xmlns:a16="http://schemas.microsoft.com/office/drawing/2014/main" id="{2B7359EA-B5F0-8541-2B7C-CF7BD449BA27}"/>
+              </a:ext>
+            </a:extLst>
+          </p:cNvPr>
+          <p:cNvSpPr txBox="1"/>
+          <p:nvPr/>
+        </p:nvSpPr>
+        <p:spPr>
+          <a:xfrm>
+            <a:off x="4458931" y="4236445"/>
+            <a:ext cx="4149214" cy="769441"/>
+          </a:xfrm>
+          <a:prstGeom prst="rect">
+            <a:avLst/>
+          </a:prstGeom>
+          <a:noFill/>
+        </p:spPr>
+        <p:txBody>
+          <a:bodyPr wrap="square" rtlCol="0">
+            <a:spAutoFit/>
+          </a:bodyPr>
+          <a:lstStyle/>
+          <a:p>
+            <a:r>
+              <a:rPr kumimoji="1" lang="ja-JP" altLang="en-US" sz="4400" dirty="0"/>
+              <a:t>ログインボタン</a:t>
+            </a:r>
+          </a:p>
+        </p:txBody>
+      </p:sp>
+    </p:spTree>
+    <p:extLst>
+      <p:ext uri="{BB962C8B-B14F-4D97-AF65-F5344CB8AC3E}">
+        <p14:creationId xmlns:p14="http://schemas.microsoft.com/office/powerpoint/2010/main" val="2019406449"/>
+      </p:ext>
+    </p:extLst>
+  </p:cSld>
+  <p:clrMapOvr>
+    <a:masterClrMapping/>
+  </p:clrMapOvr>
+</p:sld>
+</file>
+
+<file path=ppt/slides/slide6.xml><?xml version="1.0" encoding="utf-8"?>
+<p:sld xmlns:a="http://schemas.openxmlformats.org/drawingml/2006/main" xmlns:r="http://schemas.openxmlformats.org/officeDocument/2006/relationships" xmlns:p="http://schemas.openxmlformats.org/presentationml/2006/main">
+  <p:cSld>
+    <p:spTree>
+      <p:nvGrpSpPr>
+        <p:cNvPr id="1" name=""/>
+        <p:cNvGrpSpPr/>
+        <p:nvPr/>
+      </p:nvGrpSpPr>
+      <p:grpSpPr>
+        <a:xfrm>
+          <a:off x="0" y="0"/>
+          <a:ext cx="0" cy="0"/>
+          <a:chOff x="0" y="0"/>
+          <a:chExt cx="0" cy="0"/>
+        </a:xfrm>
+      </p:grpSpPr>
+      <p:sp>
+        <p:nvSpPr>
+          <p:cNvPr id="4" name="正方形/長方形 3">
+            <a:extLst>
+              <a:ext uri="{FF2B5EF4-FFF2-40B4-BE49-F238E27FC236}">
+                <a16:creationId xmlns:a16="http://schemas.microsoft.com/office/drawing/2014/main" id="{EA26D33B-9946-9EE2-FB73-6CBA6DE5A2E8}"/>
+              </a:ext>
+            </a:extLst>
+          </p:cNvPr>
+          <p:cNvSpPr/>
+          <p:nvPr/>
+        </p:nvSpPr>
+        <p:spPr>
+          <a:xfrm>
+            <a:off x="1686230" y="1366684"/>
+            <a:ext cx="9306235" cy="5122606"/>
+          </a:xfrm>
+          <a:prstGeom prst="rect">
+            <a:avLst/>
+          </a:prstGeom>
+          <a:noFill/>
+        </p:spPr>
+        <p:style>
+          <a:lnRef idx="2">
+            <a:schemeClr val="accent1">
+              <a:shade val="15000"/>
+            </a:schemeClr>
+          </a:lnRef>
+          <a:fillRef idx="1">
+            <a:schemeClr val="accent1"/>
+          </a:fillRef>
+          <a:effectRef idx="0">
+            <a:schemeClr val="accent1"/>
+          </a:effectRef>
+          <a:fontRef idx="minor">
+            <a:schemeClr val="lt1"/>
+          </a:fontRef>
+        </p:style>
+        <p:txBody>
+          <a:bodyPr rtlCol="0" anchor="ctr"/>
+          <a:lstStyle/>
+          <a:p>
+            <a:pPr algn="ctr"/>
+            <a:endParaRPr kumimoji="1" lang="ja-JP" altLang="en-US" dirty="0"/>
+          </a:p>
+        </p:txBody>
+      </p:sp>
+      <p:sp>
+        <p:nvSpPr>
+          <p:cNvPr id="7" name="テキスト ボックス 6">
+            <a:extLst>
+              <a:ext uri="{FF2B5EF4-FFF2-40B4-BE49-F238E27FC236}">
+                <a16:creationId xmlns:a16="http://schemas.microsoft.com/office/drawing/2014/main" id="{E520EC71-999A-A018-77C2-9D47F259A882}"/>
+              </a:ext>
+            </a:extLst>
+          </p:cNvPr>
+          <p:cNvSpPr txBox="1"/>
+          <p:nvPr/>
+        </p:nvSpPr>
+        <p:spPr>
+          <a:xfrm>
+            <a:off x="4473676" y="2402724"/>
+            <a:ext cx="4149214" cy="769441"/>
+          </a:xfrm>
+          <a:prstGeom prst="rect">
+            <a:avLst/>
+          </a:prstGeom>
+          <a:noFill/>
+        </p:spPr>
+        <p:txBody>
+          <a:bodyPr wrap="square" rtlCol="0">
+            <a:spAutoFit/>
+          </a:bodyPr>
+          <a:lstStyle/>
+          <a:p>
+            <a:r>
+              <a:rPr lang="ja-JP" altLang="en-US" sz="4400" dirty="0"/>
+              <a:t>会員</a:t>
+            </a:r>
+            <a:r>
+              <a:rPr kumimoji="1" lang="ja-JP" altLang="en-US" sz="4400" dirty="0"/>
+              <a:t>登録ボタン</a:t>
+            </a:r>
+          </a:p>
+        </p:txBody>
+      </p:sp>
+      <p:sp>
+        <p:nvSpPr>
+          <p:cNvPr id="9" name="テキスト ボックス 8">
+            <a:extLst>
+              <a:ext uri="{FF2B5EF4-FFF2-40B4-BE49-F238E27FC236}">
+                <a16:creationId xmlns:a16="http://schemas.microsoft.com/office/drawing/2014/main" id="{92A6C6A4-1CE0-4A62-DAEE-F30FE309490E}"/>
+              </a:ext>
+            </a:extLst>
+          </p:cNvPr>
+          <p:cNvSpPr txBox="1"/>
+          <p:nvPr/>
+        </p:nvSpPr>
+        <p:spPr>
+          <a:xfrm>
+            <a:off x="4306526" y="300446"/>
+            <a:ext cx="3687100" cy="769441"/>
+          </a:xfrm>
+          <a:prstGeom prst="rect">
+            <a:avLst/>
+          </a:prstGeom>
+          <a:noFill/>
+        </p:spPr>
+        <p:txBody>
+          <a:bodyPr wrap="square" rtlCol="0">
+            <a:spAutoFit/>
+          </a:bodyPr>
+          <a:lstStyle/>
+          <a:p>
+            <a:r>
+              <a:rPr kumimoji="1" lang="ja-JP" altLang="en-US" sz="4400" dirty="0"/>
+              <a:t>スタート画面</a:t>
+            </a:r>
+          </a:p>
+        </p:txBody>
+      </p:sp>
+      <p:sp>
+        <p:nvSpPr>
+          <p:cNvPr id="10" name="テキスト ボックス 9">
+            <a:extLst>
+              <a:ext uri="{FF2B5EF4-FFF2-40B4-BE49-F238E27FC236}">
+                <a16:creationId xmlns:a16="http://schemas.microsoft.com/office/drawing/2014/main" id="{BA7297D7-1C81-64BF-CB8D-66EB3BB55CF5}"/>
+              </a:ext>
+            </a:extLst>
+          </p:cNvPr>
+          <p:cNvSpPr txBox="1"/>
+          <p:nvPr/>
+        </p:nvSpPr>
+        <p:spPr>
+          <a:xfrm>
+            <a:off x="997972" y="384023"/>
+            <a:ext cx="2895603" cy="707886"/>
+          </a:xfrm>
+          <a:prstGeom prst="rect">
+            <a:avLst/>
+          </a:prstGeom>
+          <a:noFill/>
+        </p:spPr>
+        <p:txBody>
+          <a:bodyPr wrap="square" rtlCol="0">
+            <a:spAutoFit/>
+          </a:bodyPr>
+          <a:lstStyle/>
+          <a:p>
+            <a:r>
+              <a:rPr kumimoji="1" lang="en-US" altLang="ja-JP" sz="2000" dirty="0"/>
+              <a:t>※</a:t>
+            </a:r>
+            <a:r>
+              <a:rPr kumimoji="1" lang="ja-JP" altLang="en-US" sz="2000" dirty="0"/>
+              <a:t>できるだけレスポンシブデザインで</a:t>
+            </a:r>
+          </a:p>
+        </p:txBody>
+      </p:sp>
+      <p:sp>
+        <p:nvSpPr>
+          <p:cNvPr id="2" name="テキスト ボックス 1">
+            <a:extLst>
+              <a:ext uri="{FF2B5EF4-FFF2-40B4-BE49-F238E27FC236}">
+                <a16:creationId xmlns:a16="http://schemas.microsoft.com/office/drawing/2014/main" id="{2B7359EA-B5F0-8541-2B7C-CF7BD449BA27}"/>
+              </a:ext>
+            </a:extLst>
+          </p:cNvPr>
+          <p:cNvSpPr txBox="1"/>
+          <p:nvPr/>
+        </p:nvSpPr>
+        <p:spPr>
+          <a:xfrm>
+            <a:off x="4458931" y="4236445"/>
+            <a:ext cx="4149214" cy="769441"/>
+          </a:xfrm>
+          <a:prstGeom prst="rect">
+            <a:avLst/>
+          </a:prstGeom>
+          <a:noFill/>
+        </p:spPr>
+        <p:txBody>
+          <a:bodyPr wrap="square" rtlCol="0">
+            <a:spAutoFit/>
+          </a:bodyPr>
+          <a:lstStyle/>
+          <a:p>
+            <a:r>
+              <a:rPr kumimoji="1" lang="ja-JP" altLang="en-US" sz="4400" dirty="0"/>
+              <a:t>ログインボタン</a:t>
+            </a:r>
+          </a:p>
+        </p:txBody>
+      </p:sp>
+    </p:spTree>
+    <p:extLst>
+      <p:ext uri="{BB962C8B-B14F-4D97-AF65-F5344CB8AC3E}">
+        <p14:creationId xmlns:p14="http://schemas.microsoft.com/office/powerpoint/2010/main" val="4075368554"/>
       </p:ext>
     </p:extLst>
   </p:cSld>
